--- a/FrontEnd/Week3/Week3.pptx
+++ b/FrontEnd/Week3/Week3.pptx
@@ -253,7 +253,7 @@
           <a:p>
             <a:fld id="{F28A4246-F2A7-4220-A405-8A96DAE08D6A}" type="datetimeFigureOut">
               <a:rPr lang="en-US" smtClean="0"/>
-              <a:t>9/19/2024</a:t>
+              <a:t>1/15/25</a:t>
             </a:fld>
             <a:endParaRPr lang="en-US"/>
           </a:p>
@@ -423,7 +423,7 @@
           <a:p>
             <a:fld id="{F28A4246-F2A7-4220-A405-8A96DAE08D6A}" type="datetimeFigureOut">
               <a:rPr lang="en-US" smtClean="0"/>
-              <a:t>9/19/2024</a:t>
+              <a:t>1/15/25</a:t>
             </a:fld>
             <a:endParaRPr lang="en-US"/>
           </a:p>
@@ -603,7 +603,7 @@
           <a:p>
             <a:fld id="{F28A4246-F2A7-4220-A405-8A96DAE08D6A}" type="datetimeFigureOut">
               <a:rPr lang="en-US" smtClean="0"/>
-              <a:t>9/19/2024</a:t>
+              <a:t>1/15/25</a:t>
             </a:fld>
             <a:endParaRPr lang="en-US"/>
           </a:p>
@@ -773,7 +773,7 @@
           <a:p>
             <a:fld id="{F28A4246-F2A7-4220-A405-8A96DAE08D6A}" type="datetimeFigureOut">
               <a:rPr lang="en-US" smtClean="0"/>
-              <a:t>9/19/2024</a:t>
+              <a:t>1/15/25</a:t>
             </a:fld>
             <a:endParaRPr lang="en-US"/>
           </a:p>
@@ -1019,7 +1019,7 @@
           <a:p>
             <a:fld id="{F28A4246-F2A7-4220-A405-8A96DAE08D6A}" type="datetimeFigureOut">
               <a:rPr lang="en-US" smtClean="0"/>
-              <a:t>9/19/2024</a:t>
+              <a:t>1/15/25</a:t>
             </a:fld>
             <a:endParaRPr lang="en-US"/>
           </a:p>
@@ -1251,7 +1251,7 @@
           <a:p>
             <a:fld id="{F28A4246-F2A7-4220-A405-8A96DAE08D6A}" type="datetimeFigureOut">
               <a:rPr lang="en-US" smtClean="0"/>
-              <a:t>9/19/2024</a:t>
+              <a:t>1/15/25</a:t>
             </a:fld>
             <a:endParaRPr lang="en-US"/>
           </a:p>
@@ -1618,7 +1618,7 @@
           <a:p>
             <a:fld id="{F28A4246-F2A7-4220-A405-8A96DAE08D6A}" type="datetimeFigureOut">
               <a:rPr lang="en-US" smtClean="0"/>
-              <a:t>9/19/2024</a:t>
+              <a:t>1/15/25</a:t>
             </a:fld>
             <a:endParaRPr lang="en-US"/>
           </a:p>
@@ -1736,7 +1736,7 @@
           <a:p>
             <a:fld id="{F28A4246-F2A7-4220-A405-8A96DAE08D6A}" type="datetimeFigureOut">
               <a:rPr lang="en-US" smtClean="0"/>
-              <a:t>9/19/2024</a:t>
+              <a:t>1/15/25</a:t>
             </a:fld>
             <a:endParaRPr lang="en-US"/>
           </a:p>
@@ -1831,7 +1831,7 @@
           <a:p>
             <a:fld id="{F28A4246-F2A7-4220-A405-8A96DAE08D6A}" type="datetimeFigureOut">
               <a:rPr lang="en-US" smtClean="0"/>
-              <a:t>9/19/2024</a:t>
+              <a:t>1/15/25</a:t>
             </a:fld>
             <a:endParaRPr lang="en-US"/>
           </a:p>
@@ -2108,7 +2108,7 @@
           <a:p>
             <a:fld id="{F28A4246-F2A7-4220-A405-8A96DAE08D6A}" type="datetimeFigureOut">
               <a:rPr lang="en-US" smtClean="0"/>
-              <a:t>9/19/2024</a:t>
+              <a:t>1/15/25</a:t>
             </a:fld>
             <a:endParaRPr lang="en-US"/>
           </a:p>
@@ -2365,7 +2365,7 @@
           <a:p>
             <a:fld id="{F28A4246-F2A7-4220-A405-8A96DAE08D6A}" type="datetimeFigureOut">
               <a:rPr lang="en-US" smtClean="0"/>
-              <a:t>9/19/2024</a:t>
+              <a:t>1/15/25</a:t>
             </a:fld>
             <a:endParaRPr lang="en-US"/>
           </a:p>
@@ -2578,7 +2578,7 @@
           <a:p>
             <a:fld id="{F28A4246-F2A7-4220-A405-8A96DAE08D6A}" type="datetimeFigureOut">
               <a:rPr lang="en-US" smtClean="0"/>
-              <a:t>9/19/2024</a:t>
+              <a:t>1/15/25</a:t>
             </a:fld>
             <a:endParaRPr lang="en-US"/>
           </a:p>

--- a/FrontEnd/Week3/Week3.pptx
+++ b/FrontEnd/Week3/Week3.pptx
@@ -16,6 +16,9 @@
     <p:sldId id="264" r:id="rId10"/>
     <p:sldId id="265" r:id="rId11"/>
     <p:sldId id="266" r:id="rId12"/>
+    <p:sldId id="267" r:id="rId13"/>
+    <p:sldId id="268" r:id="rId14"/>
+    <p:sldId id="269" r:id="rId15"/>
   </p:sldIdLst>
   <p:sldSz cx="12192000" cy="6858000"/>
   <p:notesSz cx="6858000" cy="9144000"/>
@@ -122,6 +125,175 @@
 </p:presentation>
 </file>
 
+<file path=ppt/revisionInfo.xml><?xml version="1.0" encoding="utf-8"?>
+<p1510:revInfo xmlns:a="http://schemas.openxmlformats.org/drawingml/2006/main" xmlns:r="http://schemas.openxmlformats.org/officeDocument/2006/relationships" xmlns:p1510="http://schemas.microsoft.com/office/powerpoint/2015/10/main">
+  <p1510:revLst>
+    <p1510:client id="{9C1E01C9-7AD7-3D40-9A48-E5BEEB503367}" v="1" dt="2025-01-16T15:59:20.886"/>
+  </p1510:revLst>
+</p1510:revInfo>
+</file>
+
+<file path=ppt/changesInfos/changesInfo1.xml><?xml version="1.0" encoding="utf-8"?>
+<pc:chgInfo xmlns:a="http://schemas.openxmlformats.org/drawingml/2006/main" xmlns:r="http://schemas.openxmlformats.org/officeDocument/2006/relationships" xmlns:ac="http://schemas.microsoft.com/office/drawing/2013/main/command" xmlns:pc="http://schemas.microsoft.com/office/powerpoint/2013/main/command">
+  <pc:docChgLst>
+    <pc:chgData name="Noman  Atique" userId="aab35d70-e8e0-4a76-8862-eddb3a1d4775" providerId="ADAL" clId="{37C6A07E-FA8F-45B4-855E-4FFB4446D908}"/>
+    <pc:docChg chg="undo custSel addSld modSld">
+      <pc:chgData name="Noman  Atique" userId="aab35d70-e8e0-4a76-8862-eddb3a1d4775" providerId="ADAL" clId="{37C6A07E-FA8F-45B4-855E-4FFB4446D908}" dt="2025-01-15T14:55:48.177" v="246" actId="108"/>
+      <pc:docMkLst>
+        <pc:docMk/>
+      </pc:docMkLst>
+      <pc:sldChg chg="modSp new mod">
+        <pc:chgData name="Noman  Atique" userId="aab35d70-e8e0-4a76-8862-eddb3a1d4775" providerId="ADAL" clId="{37C6A07E-FA8F-45B4-855E-4FFB4446D908}" dt="2025-01-15T14:51:57.806" v="210" actId="20577"/>
+        <pc:sldMkLst>
+          <pc:docMk/>
+          <pc:sldMk cId="2119578963" sldId="267"/>
+        </pc:sldMkLst>
+        <pc:spChg chg="mod">
+          <ac:chgData name="Noman  Atique" userId="aab35d70-e8e0-4a76-8862-eddb3a1d4775" providerId="ADAL" clId="{37C6A07E-FA8F-45B4-855E-4FFB4446D908}" dt="2025-01-15T14:50:42.647" v="20" actId="20577"/>
+          <ac:spMkLst>
+            <pc:docMk/>
+            <pc:sldMk cId="2119578963" sldId="267"/>
+            <ac:spMk id="2" creationId="{4BC8246A-6D0A-4A0D-A6C5-5ECD08D97F7F}"/>
+          </ac:spMkLst>
+        </pc:spChg>
+        <pc:spChg chg="mod">
+          <ac:chgData name="Noman  Atique" userId="aab35d70-e8e0-4a76-8862-eddb3a1d4775" providerId="ADAL" clId="{37C6A07E-FA8F-45B4-855E-4FFB4446D908}" dt="2025-01-15T14:51:57.806" v="210" actId="20577"/>
+          <ac:spMkLst>
+            <pc:docMk/>
+            <pc:sldMk cId="2119578963" sldId="267"/>
+            <ac:spMk id="3" creationId="{C7723DC4-4AC4-6E54-783F-3EC26010932E}"/>
+          </ac:spMkLst>
+        </pc:spChg>
+      </pc:sldChg>
+      <pc:sldChg chg="addSp delSp modSp new mod">
+        <pc:chgData name="Noman  Atique" userId="aab35d70-e8e0-4a76-8862-eddb3a1d4775" providerId="ADAL" clId="{37C6A07E-FA8F-45B4-855E-4FFB4446D908}" dt="2025-01-15T14:55:48.177" v="246" actId="108"/>
+        <pc:sldMkLst>
+          <pc:docMk/>
+          <pc:sldMk cId="2141644011" sldId="268"/>
+        </pc:sldMkLst>
+        <pc:spChg chg="mod">
+          <ac:chgData name="Noman  Atique" userId="aab35d70-e8e0-4a76-8862-eddb3a1d4775" providerId="ADAL" clId="{37C6A07E-FA8F-45B4-855E-4FFB4446D908}" dt="2025-01-15T14:52:11.011" v="225" actId="20577"/>
+          <ac:spMkLst>
+            <pc:docMk/>
+            <pc:sldMk cId="2141644011" sldId="268"/>
+            <ac:spMk id="2" creationId="{8683DA19-E005-9266-8F83-1CBC0FA97C4B}"/>
+          </ac:spMkLst>
+        </pc:spChg>
+        <pc:spChg chg="add del mod">
+          <ac:chgData name="Noman  Atique" userId="aab35d70-e8e0-4a76-8862-eddb3a1d4775" providerId="ADAL" clId="{37C6A07E-FA8F-45B4-855E-4FFB4446D908}" dt="2025-01-15T14:55:06.692" v="234"/>
+          <ac:spMkLst>
+            <pc:docMk/>
+            <pc:sldMk cId="2141644011" sldId="268"/>
+            <ac:spMk id="3" creationId="{C4A69284-A20A-E7FB-18C5-D91B8ABABC80}"/>
+          </ac:spMkLst>
+        </pc:spChg>
+        <pc:spChg chg="add mod">
+          <ac:chgData name="Noman  Atique" userId="aab35d70-e8e0-4a76-8862-eddb3a1d4775" providerId="ADAL" clId="{37C6A07E-FA8F-45B4-855E-4FFB4446D908}" dt="2025-01-15T14:54:39.539" v="227"/>
+          <ac:spMkLst>
+            <pc:docMk/>
+            <pc:sldMk cId="2141644011" sldId="268"/>
+            <ac:spMk id="4" creationId="{2479384A-FC60-CB82-A0F1-054761D8CF8F}"/>
+          </ac:spMkLst>
+        </pc:spChg>
+        <pc:spChg chg="add del mod">
+          <ac:chgData name="Noman  Atique" userId="aab35d70-e8e0-4a76-8862-eddb3a1d4775" providerId="ADAL" clId="{37C6A07E-FA8F-45B4-855E-4FFB4446D908}" dt="2025-01-15T14:54:56.833" v="232" actId="478"/>
+          <ac:spMkLst>
+            <pc:docMk/>
+            <pc:sldMk cId="2141644011" sldId="268"/>
+            <ac:spMk id="5" creationId="{E0D47436-3264-8EB1-EF65-EE06F243FD92}"/>
+          </ac:spMkLst>
+        </pc:spChg>
+        <pc:spChg chg="add mod">
+          <ac:chgData name="Noman  Atique" userId="aab35d70-e8e0-4a76-8862-eddb3a1d4775" providerId="ADAL" clId="{37C6A07E-FA8F-45B4-855E-4FFB4446D908}" dt="2025-01-15T14:55:48.177" v="246" actId="108"/>
+          <ac:spMkLst>
+            <pc:docMk/>
+            <pc:sldMk cId="2141644011" sldId="268"/>
+            <ac:spMk id="6" creationId="{7AF0D6A6-4369-8BD6-4A5E-DC186FF80B1B}"/>
+          </ac:spMkLst>
+        </pc:spChg>
+      </pc:sldChg>
+    </pc:docChg>
+  </pc:docChgLst>
+  <pc:docChgLst>
+    <pc:chgData name="Noman  Atique" userId="aab35d70-e8e0-4a76-8862-eddb3a1d4775" providerId="ADAL" clId="{9C1E01C9-7AD7-3D40-9A48-E5BEEB503367}"/>
+    <pc:docChg chg="undo custSel addSld modSld">
+      <pc:chgData name="Noman  Atique" userId="aab35d70-e8e0-4a76-8862-eddb3a1d4775" providerId="ADAL" clId="{9C1E01C9-7AD7-3D40-9A48-E5BEEB503367}" dt="2025-01-16T16:19:40.146" v="82" actId="33524"/>
+      <pc:docMkLst>
+        <pc:docMk/>
+      </pc:docMkLst>
+      <pc:sldChg chg="modSp mod">
+        <pc:chgData name="Noman  Atique" userId="aab35d70-e8e0-4a76-8862-eddb3a1d4775" providerId="ADAL" clId="{9C1E01C9-7AD7-3D40-9A48-E5BEEB503367}" dt="2025-01-16T16:19:40.146" v="82" actId="33524"/>
+        <pc:sldMkLst>
+          <pc:docMk/>
+          <pc:sldMk cId="183788460" sldId="259"/>
+        </pc:sldMkLst>
+        <pc:spChg chg="mod">
+          <ac:chgData name="Noman  Atique" userId="aab35d70-e8e0-4a76-8862-eddb3a1d4775" providerId="ADAL" clId="{9C1E01C9-7AD7-3D40-9A48-E5BEEB503367}" dt="2025-01-16T16:19:40.146" v="82" actId="33524"/>
+          <ac:spMkLst>
+            <pc:docMk/>
+            <pc:sldMk cId="183788460" sldId="259"/>
+            <ac:spMk id="3" creationId="{7F0DC9BE-2B00-F5E5-7461-87E7058C0FD4}"/>
+          </ac:spMkLst>
+        </pc:spChg>
+      </pc:sldChg>
+      <pc:sldChg chg="modSp mod">
+        <pc:chgData name="Noman  Atique" userId="aab35d70-e8e0-4a76-8862-eddb3a1d4775" providerId="ADAL" clId="{9C1E01C9-7AD7-3D40-9A48-E5BEEB503367}" dt="2025-01-16T15:32:33.111" v="8" actId="20577"/>
+        <pc:sldMkLst>
+          <pc:docMk/>
+          <pc:sldMk cId="2119578963" sldId="267"/>
+        </pc:sldMkLst>
+        <pc:spChg chg="mod">
+          <ac:chgData name="Noman  Atique" userId="aab35d70-e8e0-4a76-8862-eddb3a1d4775" providerId="ADAL" clId="{9C1E01C9-7AD7-3D40-9A48-E5BEEB503367}" dt="2025-01-16T15:32:33.111" v="8" actId="20577"/>
+          <ac:spMkLst>
+            <pc:docMk/>
+            <pc:sldMk cId="2119578963" sldId="267"/>
+            <ac:spMk id="3" creationId="{C7723DC4-4AC4-6E54-783F-3EC26010932E}"/>
+          </ac:spMkLst>
+        </pc:spChg>
+      </pc:sldChg>
+      <pc:sldChg chg="modSp mod">
+        <pc:chgData name="Noman  Atique" userId="aab35d70-e8e0-4a76-8862-eddb3a1d4775" providerId="ADAL" clId="{9C1E01C9-7AD7-3D40-9A48-E5BEEB503367}" dt="2025-01-16T15:59:20.884" v="10" actId="14100"/>
+        <pc:sldMkLst>
+          <pc:docMk/>
+          <pc:sldMk cId="2141644011" sldId="268"/>
+        </pc:sldMkLst>
+        <pc:spChg chg="mod">
+          <ac:chgData name="Noman  Atique" userId="aab35d70-e8e0-4a76-8862-eddb3a1d4775" providerId="ADAL" clId="{9C1E01C9-7AD7-3D40-9A48-E5BEEB503367}" dt="2025-01-16T15:59:20.884" v="10" actId="14100"/>
+          <ac:spMkLst>
+            <pc:docMk/>
+            <pc:sldMk cId="2141644011" sldId="268"/>
+            <ac:spMk id="6" creationId="{7AF0D6A6-4369-8BD6-4A5E-DC186FF80B1B}"/>
+          </ac:spMkLst>
+        </pc:spChg>
+      </pc:sldChg>
+      <pc:sldChg chg="modSp new mod">
+        <pc:chgData name="Noman  Atique" userId="aab35d70-e8e0-4a76-8862-eddb3a1d4775" providerId="ADAL" clId="{9C1E01C9-7AD7-3D40-9A48-E5BEEB503367}" dt="2025-01-16T16:12:32.509" v="81"/>
+        <pc:sldMkLst>
+          <pc:docMk/>
+          <pc:sldMk cId="4041194265" sldId="269"/>
+        </pc:sldMkLst>
+        <pc:spChg chg="mod">
+          <ac:chgData name="Noman  Atique" userId="aab35d70-e8e0-4a76-8862-eddb3a1d4775" providerId="ADAL" clId="{9C1E01C9-7AD7-3D40-9A48-E5BEEB503367}" dt="2025-01-16T16:00:11.298" v="27" actId="20577"/>
+          <ac:spMkLst>
+            <pc:docMk/>
+            <pc:sldMk cId="4041194265" sldId="269"/>
+            <ac:spMk id="2" creationId="{7BB90C08-4D53-EF3B-66B0-99DB71FDCD68}"/>
+          </ac:spMkLst>
+        </pc:spChg>
+        <pc:spChg chg="mod">
+          <ac:chgData name="Noman  Atique" userId="aab35d70-e8e0-4a76-8862-eddb3a1d4775" providerId="ADAL" clId="{9C1E01C9-7AD7-3D40-9A48-E5BEEB503367}" dt="2025-01-16T16:12:32.509" v="81"/>
+          <ac:spMkLst>
+            <pc:docMk/>
+            <pc:sldMk cId="4041194265" sldId="269"/>
+            <ac:spMk id="3" creationId="{EB18A309-60A5-0C02-2261-3D43A077AA89}"/>
+          </ac:spMkLst>
+        </pc:spChg>
+      </pc:sldChg>
+    </pc:docChg>
+  </pc:docChgLst>
+</pc:chgInfo>
+</file>
+
 <file path=ppt/slideLayouts/slideLayout1.xml><?xml version="1.0" encoding="utf-8"?>
 <p:sldLayout xmlns:a="http://schemas.openxmlformats.org/drawingml/2006/main" xmlns:r="http://schemas.openxmlformats.org/officeDocument/2006/relationships" xmlns:p="http://schemas.openxmlformats.org/presentationml/2006/main" type="title" preserve="1">
   <p:cSld name="Title Slide">
@@ -253,7 +425,7 @@
           <a:p>
             <a:fld id="{F28A4246-F2A7-4220-A405-8A96DAE08D6A}" type="datetimeFigureOut">
               <a:rPr lang="en-US" smtClean="0"/>
-              <a:t>9/19/2024</a:t>
+              <a:t>1/16/25</a:t>
             </a:fld>
             <a:endParaRPr lang="en-US"/>
           </a:p>
@@ -423,7 +595,7 @@
           <a:p>
             <a:fld id="{F28A4246-F2A7-4220-A405-8A96DAE08D6A}" type="datetimeFigureOut">
               <a:rPr lang="en-US" smtClean="0"/>
-              <a:t>9/19/2024</a:t>
+              <a:t>1/16/25</a:t>
             </a:fld>
             <a:endParaRPr lang="en-US"/>
           </a:p>
@@ -603,7 +775,7 @@
           <a:p>
             <a:fld id="{F28A4246-F2A7-4220-A405-8A96DAE08D6A}" type="datetimeFigureOut">
               <a:rPr lang="en-US" smtClean="0"/>
-              <a:t>9/19/2024</a:t>
+              <a:t>1/16/25</a:t>
             </a:fld>
             <a:endParaRPr lang="en-US"/>
           </a:p>
@@ -773,7 +945,7 @@
           <a:p>
             <a:fld id="{F28A4246-F2A7-4220-A405-8A96DAE08D6A}" type="datetimeFigureOut">
               <a:rPr lang="en-US" smtClean="0"/>
-              <a:t>9/19/2024</a:t>
+              <a:t>1/16/25</a:t>
             </a:fld>
             <a:endParaRPr lang="en-US"/>
           </a:p>
@@ -1019,7 +1191,7 @@
           <a:p>
             <a:fld id="{F28A4246-F2A7-4220-A405-8A96DAE08D6A}" type="datetimeFigureOut">
               <a:rPr lang="en-US" smtClean="0"/>
-              <a:t>9/19/2024</a:t>
+              <a:t>1/16/25</a:t>
             </a:fld>
             <a:endParaRPr lang="en-US"/>
           </a:p>
@@ -1251,7 +1423,7 @@
           <a:p>
             <a:fld id="{F28A4246-F2A7-4220-A405-8A96DAE08D6A}" type="datetimeFigureOut">
               <a:rPr lang="en-US" smtClean="0"/>
-              <a:t>9/19/2024</a:t>
+              <a:t>1/16/25</a:t>
             </a:fld>
             <a:endParaRPr lang="en-US"/>
           </a:p>
@@ -1618,7 +1790,7 @@
           <a:p>
             <a:fld id="{F28A4246-F2A7-4220-A405-8A96DAE08D6A}" type="datetimeFigureOut">
               <a:rPr lang="en-US" smtClean="0"/>
-              <a:t>9/19/2024</a:t>
+              <a:t>1/16/25</a:t>
             </a:fld>
             <a:endParaRPr lang="en-US"/>
           </a:p>
@@ -1736,7 +1908,7 @@
           <a:p>
             <a:fld id="{F28A4246-F2A7-4220-A405-8A96DAE08D6A}" type="datetimeFigureOut">
               <a:rPr lang="en-US" smtClean="0"/>
-              <a:t>9/19/2024</a:t>
+              <a:t>1/16/25</a:t>
             </a:fld>
             <a:endParaRPr lang="en-US"/>
           </a:p>
@@ -1831,7 +2003,7 @@
           <a:p>
             <a:fld id="{F28A4246-F2A7-4220-A405-8A96DAE08D6A}" type="datetimeFigureOut">
               <a:rPr lang="en-US" smtClean="0"/>
-              <a:t>9/19/2024</a:t>
+              <a:t>1/16/25</a:t>
             </a:fld>
             <a:endParaRPr lang="en-US"/>
           </a:p>
@@ -2108,7 +2280,7 @@
           <a:p>
             <a:fld id="{F28A4246-F2A7-4220-A405-8A96DAE08D6A}" type="datetimeFigureOut">
               <a:rPr lang="en-US" smtClean="0"/>
-              <a:t>9/19/2024</a:t>
+              <a:t>1/16/25</a:t>
             </a:fld>
             <a:endParaRPr lang="en-US"/>
           </a:p>
@@ -2365,7 +2537,7 @@
           <a:p>
             <a:fld id="{F28A4246-F2A7-4220-A405-8A96DAE08D6A}" type="datetimeFigureOut">
               <a:rPr lang="en-US" smtClean="0"/>
-              <a:t>9/19/2024</a:t>
+              <a:t>1/16/25</a:t>
             </a:fld>
             <a:endParaRPr lang="en-US"/>
           </a:p>
@@ -2578,7 +2750,7 @@
           <a:p>
             <a:fld id="{F28A4246-F2A7-4220-A405-8A96DAE08D6A}" type="datetimeFigureOut">
               <a:rPr lang="en-US" smtClean="0"/>
-              <a:t>9/19/2024</a:t>
+              <a:t>1/16/25</a:t>
             </a:fld>
             <a:endParaRPr lang="en-US"/>
           </a:p>
@@ -3317,6 +3489,815 @@
 </p:sld>
 </file>
 
+<file path=ppt/slides/slide12.xml><?xml version="1.0" encoding="utf-8"?>
+<p:sld xmlns:a="http://schemas.openxmlformats.org/drawingml/2006/main" xmlns:r="http://schemas.openxmlformats.org/officeDocument/2006/relationships" xmlns:p="http://schemas.openxmlformats.org/presentationml/2006/main">
+  <p:cSld>
+    <p:spTree>
+      <p:nvGrpSpPr>
+        <p:cNvPr id="1" name=""/>
+        <p:cNvGrpSpPr/>
+        <p:nvPr/>
+      </p:nvGrpSpPr>
+      <p:grpSpPr>
+        <a:xfrm>
+          <a:off x="0" y="0"/>
+          <a:ext cx="0" cy="0"/>
+          <a:chOff x="0" y="0"/>
+          <a:chExt cx="0" cy="0"/>
+        </a:xfrm>
+      </p:grpSpPr>
+      <p:sp>
+        <p:nvSpPr>
+          <p:cNvPr id="2" name="Title 1">
+            <a:extLst>
+              <a:ext uri="{FF2B5EF4-FFF2-40B4-BE49-F238E27FC236}">
+                <a16:creationId xmlns:a16="http://schemas.microsoft.com/office/drawing/2014/main" id="{4BC8246A-6D0A-4A0D-A6C5-5ECD08D97F7F}"/>
+              </a:ext>
+            </a:extLst>
+          </p:cNvPr>
+          <p:cNvSpPr>
+            <a:spLocks noGrp="1"/>
+          </p:cNvSpPr>
+          <p:nvPr>
+            <p:ph type="title"/>
+          </p:nvPr>
+        </p:nvSpPr>
+        <p:spPr/>
+        <p:txBody>
+          <a:bodyPr/>
+          <a:lstStyle/>
+          <a:p>
+            <a:r>
+              <a:rPr lang="en-US" dirty="0"/>
+              <a:t>CSS Box Model:</a:t>
+            </a:r>
+          </a:p>
+        </p:txBody>
+      </p:sp>
+      <p:sp>
+        <p:nvSpPr>
+          <p:cNvPr id="3" name="Content Placeholder 2">
+            <a:extLst>
+              <a:ext uri="{FF2B5EF4-FFF2-40B4-BE49-F238E27FC236}">
+                <a16:creationId xmlns:a16="http://schemas.microsoft.com/office/drawing/2014/main" id="{C7723DC4-4AC4-6E54-783F-3EC26010932E}"/>
+              </a:ext>
+            </a:extLst>
+          </p:cNvPr>
+          <p:cNvSpPr>
+            <a:spLocks noGrp="1"/>
+          </p:cNvSpPr>
+          <p:nvPr>
+            <p:ph idx="1"/>
+          </p:nvPr>
+        </p:nvSpPr>
+        <p:spPr/>
+        <p:txBody>
+          <a:bodyPr/>
+          <a:lstStyle/>
+          <a:p>
+            <a:r>
+              <a:rPr lang="en-US" dirty="0"/>
+              <a:t>Each element in HTML is considered as a box in CSS.</a:t>
+            </a:r>
+          </a:p>
+          <a:p>
+            <a:endParaRPr lang="en-US" dirty="0"/>
+          </a:p>
+          <a:p>
+            <a:r>
+              <a:rPr lang="en-US" dirty="0"/>
+              <a:t>Content, Padding, Border, Margin</a:t>
+            </a:r>
+          </a:p>
+          <a:p>
+            <a:endParaRPr lang="en-US" dirty="0"/>
+          </a:p>
+          <a:p>
+            <a:r>
+              <a:rPr lang="en-US" dirty="0"/>
+              <a:t>About the border-box that we used in last class!</a:t>
+            </a:r>
+          </a:p>
+        </p:txBody>
+      </p:sp>
+    </p:spTree>
+    <p:extLst>
+      <p:ext uri="{BB962C8B-B14F-4D97-AF65-F5344CB8AC3E}">
+        <p14:creationId xmlns:p14="http://schemas.microsoft.com/office/powerpoint/2010/main" val="2119578963"/>
+      </p:ext>
+    </p:extLst>
+  </p:cSld>
+  <p:clrMapOvr>
+    <a:masterClrMapping/>
+  </p:clrMapOvr>
+</p:sld>
+</file>
+
+<file path=ppt/slides/slide13.xml><?xml version="1.0" encoding="utf-8"?>
+<p:sld xmlns:a="http://schemas.openxmlformats.org/drawingml/2006/main" xmlns:r="http://schemas.openxmlformats.org/officeDocument/2006/relationships" xmlns:p="http://schemas.openxmlformats.org/presentationml/2006/main">
+  <p:cSld>
+    <p:spTree>
+      <p:nvGrpSpPr>
+        <p:cNvPr id="1" name=""/>
+        <p:cNvGrpSpPr/>
+        <p:nvPr/>
+      </p:nvGrpSpPr>
+      <p:grpSpPr>
+        <a:xfrm>
+          <a:off x="0" y="0"/>
+          <a:ext cx="0" cy="0"/>
+          <a:chOff x="0" y="0"/>
+          <a:chExt cx="0" cy="0"/>
+        </a:xfrm>
+      </p:grpSpPr>
+      <p:sp>
+        <p:nvSpPr>
+          <p:cNvPr id="2" name="Title 1">
+            <a:extLst>
+              <a:ext uri="{FF2B5EF4-FFF2-40B4-BE49-F238E27FC236}">
+                <a16:creationId xmlns:a16="http://schemas.microsoft.com/office/drawing/2014/main" id="{8683DA19-E005-9266-8F83-1CBC0FA97C4B}"/>
+              </a:ext>
+            </a:extLst>
+          </p:cNvPr>
+          <p:cNvSpPr>
+            <a:spLocks noGrp="1"/>
+          </p:cNvSpPr>
+          <p:nvPr>
+            <p:ph type="title"/>
+          </p:nvPr>
+        </p:nvSpPr>
+        <p:spPr/>
+        <p:txBody>
+          <a:bodyPr/>
+          <a:lstStyle/>
+          <a:p>
+            <a:r>
+              <a:rPr lang="en-US" dirty="0"/>
+              <a:t>Flexbox Model:</a:t>
+            </a:r>
+          </a:p>
+        </p:txBody>
+      </p:sp>
+      <p:sp>
+        <p:nvSpPr>
+          <p:cNvPr id="6" name="Rectangle 3">
+            <a:extLst>
+              <a:ext uri="{FF2B5EF4-FFF2-40B4-BE49-F238E27FC236}">
+                <a16:creationId xmlns:a16="http://schemas.microsoft.com/office/drawing/2014/main" id="{7AF0D6A6-4369-8BD6-4A5E-DC186FF80B1B}"/>
+              </a:ext>
+            </a:extLst>
+          </p:cNvPr>
+          <p:cNvSpPr>
+            <a:spLocks noGrp="1" noChangeArrowheads="1"/>
+          </p:cNvSpPr>
+          <p:nvPr>
+            <p:ph idx="1"/>
+          </p:nvPr>
+        </p:nvSpPr>
+        <p:spPr bwMode="auto">
+          <a:xfrm>
+            <a:off x="838199" y="2684843"/>
+            <a:ext cx="8245839" cy="3416320"/>
+          </a:xfrm>
+          <a:prstGeom prst="rect">
+            <a:avLst/>
+          </a:prstGeom>
+          <a:noFill/>
+          <a:ln>
+            <a:noFill/>
+          </a:ln>
+          <a:effectLst/>
+          <a:extLst>
+            <a:ext uri="{909E8E84-426E-40DD-AFC4-6F175D3DCCD1}">
+              <a14:hiddenFill xmlns:a14="http://schemas.microsoft.com/office/drawing/2010/main">
+                <a:solidFill>
+                  <a:schemeClr val="accent1"/>
+                </a:solidFill>
+              </a14:hiddenFill>
+            </a:ext>
+            <a:ext uri="{91240B29-F687-4F45-9708-019B960494DF}">
+              <a14:hiddenLine xmlns:a14="http://schemas.microsoft.com/office/drawing/2010/main" w="9525">
+                <a:solidFill>
+                  <a:schemeClr val="tx1"/>
+                </a:solidFill>
+                <a:miter lim="800000"/>
+                <a:headEnd/>
+                <a:tailEnd/>
+              </a14:hiddenLine>
+            </a:ext>
+            <a:ext uri="{AF507438-7753-43E0-B8FC-AC1667EBCBE1}">
+              <a14:hiddenEffects xmlns:a14="http://schemas.microsoft.com/office/drawing/2010/main">
+                <a:effectLst>
+                  <a:outerShdw dist="35921" dir="2700000" algn="ctr" rotWithShape="0">
+                    <a:schemeClr val="bg2"/>
+                  </a:outerShdw>
+                </a:effectLst>
+              </a14:hiddenEffects>
+            </a:ext>
+          </a:extLst>
+        </p:spPr>
+        <p:txBody>
+          <a:bodyPr vert="horz" wrap="square" lIns="91440" tIns="45720" rIns="91440" bIns="45720" numCol="1" anchor="ctr" anchorCtr="0" compatLnSpc="1">
+            <a:prstTxWarp prst="textNoShape">
+              <a:avLst/>
+            </a:prstTxWarp>
+            <a:spAutoFit/>
+          </a:bodyPr>
+          <a:lstStyle/>
+          <a:p>
+            <a:pPr marL="0" marR="0" lvl="0" indent="0" algn="l" defTabSz="914400" rtl="0" eaLnBrk="0" fontAlgn="base" latinLnBrk="0" hangingPunct="0">
+              <a:lnSpc>
+                <a:spcPct val="100000"/>
+              </a:lnSpc>
+              <a:spcBef>
+                <a:spcPct val="0"/>
+              </a:spcBef>
+              <a:spcAft>
+                <a:spcPct val="0"/>
+              </a:spcAft>
+              <a:buClrTx/>
+              <a:buSzTx/>
+              <a:buNone/>
+              <a:tabLst/>
+            </a:pPr>
+            <a:r>
+              <a:rPr kumimoji="0" lang="en-US" altLang="en-US" sz="1800" b="1" i="0" u="none" strike="noStrike" cap="none" normalizeH="0" baseline="0" dirty="0">
+                <a:ln>
+                  <a:noFill/>
+                </a:ln>
+                <a:solidFill>
+                  <a:schemeClr val="tx1"/>
+                </a:solidFill>
+                <a:effectLst/>
+                <a:latin typeface="Arial" panose="020B0604020202020204" pitchFamily="34" charset="0"/>
+              </a:rPr>
+              <a:t>What is Flexbox?</a:t>
+            </a:r>
+            <a:endParaRPr kumimoji="0" lang="en-US" altLang="en-US" sz="1800" b="0" i="0" u="none" strike="noStrike" cap="none" normalizeH="0" baseline="0" dirty="0">
+              <a:ln>
+                <a:noFill/>
+              </a:ln>
+              <a:solidFill>
+                <a:schemeClr val="tx1"/>
+              </a:solidFill>
+              <a:effectLst/>
+              <a:latin typeface="Arial" panose="020B0604020202020204" pitchFamily="34" charset="0"/>
+            </a:endParaRPr>
+          </a:p>
+          <a:p>
+            <a:pPr marL="0" marR="0" lvl="0" indent="0" algn="l" defTabSz="914400" rtl="0" eaLnBrk="0" fontAlgn="base" latinLnBrk="0" hangingPunct="0">
+              <a:lnSpc>
+                <a:spcPct val="100000"/>
+              </a:lnSpc>
+              <a:spcBef>
+                <a:spcPct val="0"/>
+              </a:spcBef>
+              <a:spcAft>
+                <a:spcPct val="0"/>
+              </a:spcAft>
+              <a:buClrTx/>
+              <a:buSzTx/>
+              <a:buNone/>
+              <a:tabLst/>
+            </a:pPr>
+            <a:r>
+              <a:rPr kumimoji="0" lang="en-US" altLang="en-US" sz="1800" b="0" i="0" u="none" strike="noStrike" cap="none" normalizeH="0" baseline="0" dirty="0">
+                <a:ln>
+                  <a:noFill/>
+                </a:ln>
+                <a:solidFill>
+                  <a:schemeClr val="tx1"/>
+                </a:solidFill>
+                <a:effectLst/>
+                <a:latin typeface="Arial" panose="020B0604020202020204" pitchFamily="34" charset="0"/>
+              </a:rPr>
+              <a:t>	Short for </a:t>
+            </a:r>
+            <a:r>
+              <a:rPr kumimoji="0" lang="en-US" altLang="en-US" sz="1800" b="1" i="0" u="none" strike="noStrike" cap="none" normalizeH="0" baseline="0" dirty="0">
+                <a:ln>
+                  <a:noFill/>
+                </a:ln>
+                <a:solidFill>
+                  <a:schemeClr val="tx1"/>
+                </a:solidFill>
+                <a:effectLst/>
+                <a:latin typeface="Arial" panose="020B0604020202020204" pitchFamily="34" charset="0"/>
+              </a:rPr>
+              <a:t>Flexible Box Layout</a:t>
+            </a:r>
+            <a:r>
+              <a:rPr kumimoji="0" lang="en-US" altLang="en-US" sz="1800" b="0" i="0" u="none" strike="noStrike" cap="none" normalizeH="0" baseline="0" dirty="0">
+                <a:ln>
+                  <a:noFill/>
+                </a:ln>
+                <a:solidFill>
+                  <a:schemeClr val="tx1"/>
+                </a:solidFill>
+                <a:effectLst/>
+                <a:latin typeface="Arial" panose="020B0604020202020204" pitchFamily="34" charset="0"/>
+              </a:rPr>
+              <a:t>.</a:t>
+            </a:r>
+          </a:p>
+          <a:p>
+            <a:pPr marL="0" marR="0" lvl="0" indent="0" algn="l" defTabSz="914400" rtl="0" eaLnBrk="0" fontAlgn="base" latinLnBrk="0" hangingPunct="0">
+              <a:lnSpc>
+                <a:spcPct val="100000"/>
+              </a:lnSpc>
+              <a:spcBef>
+                <a:spcPct val="0"/>
+              </a:spcBef>
+              <a:spcAft>
+                <a:spcPct val="0"/>
+              </a:spcAft>
+              <a:buClrTx/>
+              <a:buSzTx/>
+              <a:buNone/>
+              <a:tabLst/>
+            </a:pPr>
+            <a:r>
+              <a:rPr kumimoji="0" lang="en-US" altLang="en-US" sz="1800" b="0" i="0" u="none" strike="noStrike" cap="none" normalizeH="0" baseline="0" dirty="0">
+                <a:ln>
+                  <a:noFill/>
+                </a:ln>
+                <a:solidFill>
+                  <a:schemeClr val="tx1"/>
+                </a:solidFill>
+                <a:effectLst/>
+                <a:latin typeface="Arial" panose="020B0604020202020204" pitchFamily="34" charset="0"/>
+              </a:rPr>
+              <a:t>	Streamlines design for adaptable and visually appealing layouts.</a:t>
+            </a:r>
+          </a:p>
+          <a:p>
+            <a:pPr marL="0" marR="0" lvl="0" indent="0" algn="l" defTabSz="914400" rtl="0" eaLnBrk="0" fontAlgn="base" latinLnBrk="0" hangingPunct="0">
+              <a:lnSpc>
+                <a:spcPct val="100000"/>
+              </a:lnSpc>
+              <a:spcBef>
+                <a:spcPct val="0"/>
+              </a:spcBef>
+              <a:spcAft>
+                <a:spcPct val="0"/>
+              </a:spcAft>
+              <a:buClrTx/>
+              <a:buSzTx/>
+              <a:buFontTx/>
+              <a:buChar char="•"/>
+              <a:tabLst/>
+            </a:pPr>
+            <a:r>
+              <a:rPr kumimoji="0" lang="en-US" altLang="en-US" sz="1800" b="1" i="0" u="none" strike="noStrike" cap="none" normalizeH="0" baseline="0" dirty="0">
+                <a:ln>
+                  <a:noFill/>
+                </a:ln>
+                <a:solidFill>
+                  <a:schemeClr val="tx1"/>
+                </a:solidFill>
+                <a:effectLst/>
+                <a:latin typeface="Arial" panose="020B0604020202020204" pitchFamily="34" charset="0"/>
+              </a:rPr>
+              <a:t>How It Works:</a:t>
+            </a:r>
+            <a:endParaRPr kumimoji="0" lang="en-US" altLang="en-US" sz="1800" b="0" i="0" u="none" strike="noStrike" cap="none" normalizeH="0" baseline="0" dirty="0">
+              <a:ln>
+                <a:noFill/>
+              </a:ln>
+              <a:solidFill>
+                <a:schemeClr val="tx1"/>
+              </a:solidFill>
+              <a:effectLst/>
+              <a:latin typeface="Arial" panose="020B0604020202020204" pitchFamily="34" charset="0"/>
+            </a:endParaRPr>
+          </a:p>
+          <a:p>
+            <a:pPr marL="457200" lvl="1" indent="0" eaLnBrk="0" fontAlgn="base" hangingPunct="0">
+              <a:lnSpc>
+                <a:spcPct val="100000"/>
+              </a:lnSpc>
+              <a:spcBef>
+                <a:spcPct val="0"/>
+              </a:spcBef>
+              <a:spcAft>
+                <a:spcPct val="0"/>
+              </a:spcAft>
+              <a:buNone/>
+            </a:pPr>
+            <a:r>
+              <a:rPr lang="en-US" altLang="en-US" sz="1800" b="1" dirty="0">
+                <a:solidFill>
+                  <a:srgbClr val="FF0000"/>
+                </a:solidFill>
+                <a:latin typeface="Arial" panose="020B0604020202020204" pitchFamily="34" charset="0"/>
+              </a:rPr>
+              <a:t>Operates in one dimension: row or column.</a:t>
+            </a:r>
+          </a:p>
+          <a:p>
+            <a:pPr marL="457200" lvl="1" indent="0" eaLnBrk="0" fontAlgn="base" hangingPunct="0">
+              <a:lnSpc>
+                <a:spcPct val="100000"/>
+              </a:lnSpc>
+              <a:spcBef>
+                <a:spcPct val="0"/>
+              </a:spcBef>
+              <a:spcAft>
+                <a:spcPct val="0"/>
+              </a:spcAft>
+              <a:buNone/>
+            </a:pPr>
+            <a:r>
+              <a:rPr lang="en-US" altLang="en-US" sz="1800" b="1" dirty="0">
+                <a:latin typeface="Arial" panose="020B0604020202020204" pitchFamily="34" charset="0"/>
+              </a:rPr>
+              <a:t>Intelligently distributes space within a container.</a:t>
+            </a:r>
+          </a:p>
+          <a:p>
+            <a:pPr marL="0" marR="0" lvl="0" indent="0" algn="l" defTabSz="914400" rtl="0" eaLnBrk="0" fontAlgn="base" latinLnBrk="0" hangingPunct="0">
+              <a:lnSpc>
+                <a:spcPct val="100000"/>
+              </a:lnSpc>
+              <a:spcBef>
+                <a:spcPct val="0"/>
+              </a:spcBef>
+              <a:spcAft>
+                <a:spcPct val="0"/>
+              </a:spcAft>
+              <a:buClrTx/>
+              <a:buSzTx/>
+              <a:buFontTx/>
+              <a:buChar char="•"/>
+              <a:tabLst/>
+            </a:pPr>
+            <a:r>
+              <a:rPr lang="en-US" altLang="en-US" sz="1800" b="1" dirty="0">
+                <a:latin typeface="Arial" panose="020B0604020202020204" pitchFamily="34" charset="0"/>
+              </a:rPr>
+              <a:t>Key Features:</a:t>
+            </a:r>
+          </a:p>
+          <a:p>
+            <a:pPr marL="0" marR="0" lvl="0" indent="0" algn="l" defTabSz="914400" rtl="0" eaLnBrk="0" fontAlgn="base" latinLnBrk="0" hangingPunct="0">
+              <a:lnSpc>
+                <a:spcPct val="100000"/>
+              </a:lnSpc>
+              <a:spcBef>
+                <a:spcPct val="0"/>
+              </a:spcBef>
+              <a:spcAft>
+                <a:spcPct val="0"/>
+              </a:spcAft>
+              <a:buClrTx/>
+              <a:buSzTx/>
+              <a:buFontTx/>
+              <a:buChar char="•"/>
+              <a:tabLst/>
+            </a:pPr>
+            <a:r>
+              <a:rPr kumimoji="0" lang="en-US" altLang="en-US" sz="1800" b="0" i="0" u="none" strike="noStrike" cap="none" normalizeH="0" baseline="0" dirty="0">
+                <a:ln>
+                  <a:noFill/>
+                </a:ln>
+                <a:solidFill>
+                  <a:schemeClr val="tx1"/>
+                </a:solidFill>
+                <a:effectLst/>
+                <a:latin typeface="Arial" panose="020B0604020202020204" pitchFamily="34" charset="0"/>
+              </a:rPr>
+              <a:t>Ensures clean alignment of elements.</a:t>
+            </a:r>
+          </a:p>
+          <a:p>
+            <a:pPr marL="0" marR="0" lvl="0" indent="0" algn="l" defTabSz="914400" rtl="0" eaLnBrk="0" fontAlgn="base" latinLnBrk="0" hangingPunct="0">
+              <a:lnSpc>
+                <a:spcPct val="100000"/>
+              </a:lnSpc>
+              <a:spcBef>
+                <a:spcPct val="0"/>
+              </a:spcBef>
+              <a:spcAft>
+                <a:spcPct val="0"/>
+              </a:spcAft>
+              <a:buClrTx/>
+              <a:buSzTx/>
+              <a:buFontTx/>
+              <a:buChar char="•"/>
+              <a:tabLst/>
+            </a:pPr>
+            <a:r>
+              <a:rPr kumimoji="0" lang="en-US" altLang="en-US" sz="1800" b="0" i="0" u="none" strike="noStrike" cap="none" normalizeH="0" baseline="0" dirty="0">
+                <a:ln>
+                  <a:noFill/>
+                </a:ln>
+                <a:solidFill>
+                  <a:schemeClr val="tx1"/>
+                </a:solidFill>
+                <a:effectLst/>
+                <a:latin typeface="Arial" panose="020B0604020202020204" pitchFamily="34" charset="0"/>
+              </a:rPr>
+              <a:t>Optimized for responsive designs across screen sizes.</a:t>
+            </a:r>
+          </a:p>
+          <a:p>
+            <a:pPr marL="0" marR="0" lvl="0" indent="0" algn="l" defTabSz="914400" rtl="0" eaLnBrk="0" fontAlgn="base" latinLnBrk="0" hangingPunct="0">
+              <a:lnSpc>
+                <a:spcPct val="100000"/>
+              </a:lnSpc>
+              <a:spcBef>
+                <a:spcPct val="0"/>
+              </a:spcBef>
+              <a:spcAft>
+                <a:spcPct val="0"/>
+              </a:spcAft>
+              <a:buClrTx/>
+              <a:buSzTx/>
+              <a:buFontTx/>
+              <a:buChar char="•"/>
+              <a:tabLst/>
+            </a:pPr>
+            <a:r>
+              <a:rPr kumimoji="0" lang="en-US" altLang="en-US" sz="1800" b="1" i="0" u="none" strike="noStrike" cap="none" normalizeH="0" baseline="0" dirty="0">
+                <a:ln>
+                  <a:noFill/>
+                </a:ln>
+                <a:solidFill>
+                  <a:schemeClr val="tx1"/>
+                </a:solidFill>
+                <a:effectLst/>
+                <a:latin typeface="Arial" panose="020B0604020202020204" pitchFamily="34" charset="0"/>
+              </a:rPr>
+              <a:t>Use Cases:</a:t>
+            </a:r>
+            <a:endParaRPr kumimoji="0" lang="en-US" altLang="en-US" sz="1800" b="0" i="0" u="none" strike="noStrike" cap="none" normalizeH="0" baseline="0" dirty="0">
+              <a:ln>
+                <a:noFill/>
+              </a:ln>
+              <a:solidFill>
+                <a:schemeClr val="tx1"/>
+              </a:solidFill>
+              <a:effectLst/>
+              <a:latin typeface="Arial" panose="020B0604020202020204" pitchFamily="34" charset="0"/>
+            </a:endParaRPr>
+          </a:p>
+          <a:p>
+            <a:pPr marL="0" marR="0" lvl="0" indent="0" algn="l" defTabSz="914400" rtl="0" eaLnBrk="0" fontAlgn="base" latinLnBrk="0" hangingPunct="0">
+              <a:lnSpc>
+                <a:spcPct val="100000"/>
+              </a:lnSpc>
+              <a:spcBef>
+                <a:spcPct val="0"/>
+              </a:spcBef>
+              <a:spcAft>
+                <a:spcPct val="0"/>
+              </a:spcAft>
+              <a:buClrTx/>
+              <a:buSzTx/>
+              <a:buFontTx/>
+              <a:buChar char="•"/>
+              <a:tabLst/>
+            </a:pPr>
+            <a:r>
+              <a:rPr kumimoji="0" lang="en-US" altLang="en-US" sz="1800" b="0" i="0" u="none" strike="noStrike" cap="none" normalizeH="0" baseline="0" dirty="0">
+                <a:ln>
+                  <a:noFill/>
+                </a:ln>
+                <a:solidFill>
+                  <a:schemeClr val="tx1"/>
+                </a:solidFill>
+                <a:effectLst/>
+                <a:latin typeface="Arial" panose="020B0604020202020204" pitchFamily="34" charset="0"/>
+              </a:rPr>
+              <a:t>Ideal for </a:t>
+            </a:r>
+            <a:r>
+              <a:rPr kumimoji="0" lang="en-US" altLang="en-US" sz="1800" b="1" i="0" u="none" strike="noStrike" cap="none" normalizeH="0" baseline="0" dirty="0">
+                <a:ln>
+                  <a:noFill/>
+                </a:ln>
+                <a:solidFill>
+                  <a:schemeClr val="tx1"/>
+                </a:solidFill>
+                <a:effectLst/>
+                <a:latin typeface="Arial" panose="020B0604020202020204" pitchFamily="34" charset="0"/>
+              </a:rPr>
+              <a:t>smaller components</a:t>
+            </a:r>
+            <a:r>
+              <a:rPr kumimoji="0" lang="en-US" altLang="en-US" sz="1800" b="0" i="0" u="none" strike="noStrike" cap="none" normalizeH="0" baseline="0" dirty="0">
+                <a:ln>
+                  <a:noFill/>
+                </a:ln>
+                <a:solidFill>
+                  <a:schemeClr val="tx1"/>
+                </a:solidFill>
+                <a:effectLst/>
+                <a:latin typeface="Arial" panose="020B0604020202020204" pitchFamily="34" charset="0"/>
+              </a:rPr>
+              <a:t> and </a:t>
+            </a:r>
+            <a:r>
+              <a:rPr kumimoji="0" lang="en-US" altLang="en-US" sz="1800" b="1" i="0" u="none" strike="noStrike" cap="none" normalizeH="0" baseline="0" dirty="0">
+                <a:ln>
+                  <a:noFill/>
+                </a:ln>
+                <a:solidFill>
+                  <a:schemeClr val="tx1"/>
+                </a:solidFill>
+                <a:effectLst/>
+                <a:latin typeface="Arial" panose="020B0604020202020204" pitchFamily="34" charset="0"/>
+              </a:rPr>
+              <a:t>overall webpage structures</a:t>
+            </a:r>
+            <a:r>
+              <a:rPr kumimoji="0" lang="en-US" altLang="en-US" sz="1800" b="0" i="0" u="none" strike="noStrike" cap="none" normalizeH="0" baseline="0" dirty="0">
+                <a:ln>
+                  <a:noFill/>
+                </a:ln>
+                <a:solidFill>
+                  <a:schemeClr val="tx1"/>
+                </a:solidFill>
+                <a:effectLst/>
+                <a:latin typeface="Arial" panose="020B0604020202020204" pitchFamily="34" charset="0"/>
+              </a:rPr>
+              <a:t>.</a:t>
+            </a:r>
+          </a:p>
+          <a:p>
+            <a:pPr marL="0" marR="0" lvl="0" indent="0" algn="l" defTabSz="914400" rtl="0" eaLnBrk="0" fontAlgn="base" latinLnBrk="0" hangingPunct="0">
+              <a:lnSpc>
+                <a:spcPct val="100000"/>
+              </a:lnSpc>
+              <a:spcBef>
+                <a:spcPct val="0"/>
+              </a:spcBef>
+              <a:spcAft>
+                <a:spcPct val="0"/>
+              </a:spcAft>
+              <a:buClrTx/>
+              <a:buSzTx/>
+              <a:buFontTx/>
+              <a:buNone/>
+              <a:tabLst/>
+            </a:pPr>
+            <a:endParaRPr kumimoji="0" lang="en-US" altLang="en-US" sz="1800" b="0" i="0" u="none" strike="noStrike" cap="none" normalizeH="0" baseline="0" dirty="0">
+              <a:ln>
+                <a:noFill/>
+              </a:ln>
+              <a:solidFill>
+                <a:schemeClr val="tx1"/>
+              </a:solidFill>
+              <a:effectLst/>
+              <a:latin typeface="Arial" panose="020B0604020202020204" pitchFamily="34" charset="0"/>
+            </a:endParaRPr>
+          </a:p>
+        </p:txBody>
+      </p:sp>
+    </p:spTree>
+    <p:extLst>
+      <p:ext uri="{BB962C8B-B14F-4D97-AF65-F5344CB8AC3E}">
+        <p14:creationId xmlns:p14="http://schemas.microsoft.com/office/powerpoint/2010/main" val="2141644011"/>
+      </p:ext>
+    </p:extLst>
+  </p:cSld>
+  <p:clrMapOvr>
+    <a:masterClrMapping/>
+  </p:clrMapOvr>
+</p:sld>
+</file>
+
+<file path=ppt/slides/slide14.xml><?xml version="1.0" encoding="utf-8"?>
+<p:sld xmlns:a="http://schemas.openxmlformats.org/drawingml/2006/main" xmlns:r="http://schemas.openxmlformats.org/officeDocument/2006/relationships" xmlns:p="http://schemas.openxmlformats.org/presentationml/2006/main">
+  <p:cSld>
+    <p:spTree>
+      <p:nvGrpSpPr>
+        <p:cNvPr id="1" name=""/>
+        <p:cNvGrpSpPr/>
+        <p:nvPr/>
+      </p:nvGrpSpPr>
+      <p:grpSpPr>
+        <a:xfrm>
+          <a:off x="0" y="0"/>
+          <a:ext cx="0" cy="0"/>
+          <a:chOff x="0" y="0"/>
+          <a:chExt cx="0" cy="0"/>
+        </a:xfrm>
+      </p:grpSpPr>
+      <p:sp>
+        <p:nvSpPr>
+          <p:cNvPr id="2" name="Title 1">
+            <a:extLst>
+              <a:ext uri="{FF2B5EF4-FFF2-40B4-BE49-F238E27FC236}">
+                <a16:creationId xmlns:a16="http://schemas.microsoft.com/office/drawing/2014/main" id="{7BB90C08-4D53-EF3B-66B0-99DB71FDCD68}"/>
+              </a:ext>
+            </a:extLst>
+          </p:cNvPr>
+          <p:cNvSpPr>
+            <a:spLocks noGrp="1"/>
+          </p:cNvSpPr>
+          <p:nvPr>
+            <p:ph type="title"/>
+          </p:nvPr>
+        </p:nvSpPr>
+        <p:spPr/>
+        <p:txBody>
+          <a:bodyPr/>
+          <a:lstStyle/>
+          <a:p>
+            <a:r>
+              <a:rPr lang="en-US" dirty="0"/>
+              <a:t>Media Queries:</a:t>
+            </a:r>
+          </a:p>
+        </p:txBody>
+      </p:sp>
+      <p:sp>
+        <p:nvSpPr>
+          <p:cNvPr id="3" name="Content Placeholder 2">
+            <a:extLst>
+              <a:ext uri="{FF2B5EF4-FFF2-40B4-BE49-F238E27FC236}">
+                <a16:creationId xmlns:a16="http://schemas.microsoft.com/office/drawing/2014/main" id="{EB18A309-60A5-0C02-2261-3D43A077AA89}"/>
+              </a:ext>
+            </a:extLst>
+          </p:cNvPr>
+          <p:cNvSpPr>
+            <a:spLocks noGrp="1"/>
+          </p:cNvSpPr>
+          <p:nvPr>
+            <p:ph idx="1"/>
+          </p:nvPr>
+        </p:nvSpPr>
+        <p:spPr/>
+        <p:txBody>
+          <a:bodyPr/>
+          <a:lstStyle/>
+          <a:p>
+            <a:r>
+              <a:rPr lang="en-US" dirty="0"/>
+              <a:t>To apply styling on particular screen sizes…</a:t>
+            </a:r>
+          </a:p>
+          <a:p>
+            <a:endParaRPr lang="en-US" dirty="0"/>
+          </a:p>
+          <a:p>
+            <a:r>
+              <a:rPr lang="en-US" dirty="0"/>
+              <a:t>@media only screen and (max-width: 600px) {</a:t>
+            </a:r>
+            <a:br>
+              <a:rPr lang="en-US" dirty="0"/>
+            </a:br>
+            <a:r>
+              <a:rPr lang="en-US" dirty="0"/>
+              <a:t>  body {</a:t>
+            </a:r>
+            <a:br>
+              <a:rPr lang="en-US" dirty="0"/>
+            </a:br>
+            <a:r>
+              <a:rPr lang="en-US" dirty="0"/>
+              <a:t>    background-color: </a:t>
+            </a:r>
+            <a:r>
+              <a:rPr lang="en-US" dirty="0" err="1"/>
+              <a:t>lightblue</a:t>
+            </a:r>
+            <a:r>
+              <a:rPr lang="en-US" dirty="0"/>
+              <a:t>;</a:t>
+            </a:r>
+            <a:br>
+              <a:rPr lang="en-US" dirty="0"/>
+            </a:br>
+            <a:r>
+              <a:rPr lang="en-US" dirty="0"/>
+              <a:t>  }</a:t>
+            </a:r>
+            <a:br>
+              <a:rPr lang="en-US" dirty="0"/>
+            </a:br>
+            <a:r>
+              <a:rPr lang="en-US" dirty="0"/>
+              <a:t>}</a:t>
+            </a:r>
+          </a:p>
+        </p:txBody>
+      </p:sp>
+    </p:spTree>
+    <p:extLst>
+      <p:ext uri="{BB962C8B-B14F-4D97-AF65-F5344CB8AC3E}">
+        <p14:creationId xmlns:p14="http://schemas.microsoft.com/office/powerpoint/2010/main" val="4041194265"/>
+      </p:ext>
+    </p:extLst>
+  </p:cSld>
+  <p:clrMapOvr>
+    <a:masterClrMapping/>
+  </p:clrMapOvr>
+</p:sld>
+</file>
+
 <file path=ppt/slides/slide2.xml><?xml version="1.0" encoding="utf-8"?>
 <p:sld xmlns:a="http://schemas.openxmlformats.org/drawingml/2006/main" xmlns:r="http://schemas.openxmlformats.org/officeDocument/2006/relationships" xmlns:p="http://schemas.openxmlformats.org/presentationml/2006/main">
   <p:cSld>
@@ -3654,7 +4635,7 @@
           <a:p>
             <a:r>
               <a:rPr lang="en-US" dirty="0"/>
-              <a:t>In HTML5 we don’t include markup related to how our page should look; instead we focus on its structure, layout, and organization.</a:t>
+              <a:t>In HTML5 we don’t include markup related to how our page should look; instead, we focus on its structure, layout, and organization.</a:t>
             </a:r>
           </a:p>
           <a:p>
